--- a/doc/presentacoin1.pptx
+++ b/doc/presentacoin1.pptx
@@ -22,7 +22,7 @@
     <p:sldId id="294" r:id="rId16"/>
     <p:sldId id="295" r:id="rId17"/>
     <p:sldId id="298" r:id="rId18"/>
-    <p:sldId id="299" r:id="rId19"/>
+    <p:sldId id="300" r:id="rId19"/>
     <p:sldId id="280" r:id="rId20"/>
     <p:sldId id="297" r:id="rId21"/>
     <p:sldId id="296" r:id="rId22"/>
@@ -314,7 +314,7 @@
             <a:fld id="{87DE6118-2437-4B30-8E3C-4D2BE6020583}" type="datetimeFigureOut">
               <a:rPr lang="en-US" dirty="0"/>
               <a:pPr/>
-              <a:t>6/8/2022</a:t>
+              <a:t>6/9/2022</a:t>
             </a:fld>
             <a:endParaRPr lang="en-US" dirty="0"/>
           </a:p>
@@ -640,7 +640,7 @@
           <a:p>
             <a:fld id="{87DE6118-2437-4B30-8E3C-4D2BE6020583}" type="datetimeFigureOut">
               <a:rPr lang="en-US" dirty="0"/>
-              <a:t>6/8/2022</a:t>
+              <a:t>6/9/2022</a:t>
             </a:fld>
             <a:endParaRPr lang="en-US" dirty="0"/>
           </a:p>
@@ -815,7 +815,7 @@
           <a:p>
             <a:fld id="{87DE6118-2437-4B30-8E3C-4D2BE6020583}" type="datetimeFigureOut">
               <a:rPr lang="en-US" dirty="0"/>
-              <a:t>6/8/2022</a:t>
+              <a:t>6/9/2022</a:t>
             </a:fld>
             <a:endParaRPr lang="en-US" dirty="0"/>
           </a:p>
@@ -980,7 +980,7 @@
           <a:p>
             <a:fld id="{87DE6118-2437-4B30-8E3C-4D2BE6020583}" type="datetimeFigureOut">
               <a:rPr lang="en-US" dirty="0"/>
-              <a:t>6/8/2022</a:t>
+              <a:t>6/9/2022</a:t>
             </a:fld>
             <a:endParaRPr lang="en-US" dirty="0"/>
           </a:p>
@@ -1253,7 +1253,7 @@
             <a:fld id="{87DE6118-2437-4B30-8E3C-4D2BE6020583}" type="datetimeFigureOut">
               <a:rPr lang="en-US" dirty="0"/>
               <a:pPr/>
-              <a:t>6/8/2022</a:t>
+              <a:t>6/9/2022</a:t>
             </a:fld>
             <a:endParaRPr lang="en-US" dirty="0"/>
           </a:p>
@@ -1643,7 +1643,7 @@
           <a:p>
             <a:fld id="{87DE6118-2437-4B30-8E3C-4D2BE6020583}" type="datetimeFigureOut">
               <a:rPr lang="en-US" dirty="0"/>
-              <a:t>6/8/2022</a:t>
+              <a:t>6/9/2022</a:t>
             </a:fld>
             <a:endParaRPr lang="en-US" dirty="0"/>
           </a:p>
@@ -2115,7 +2115,7 @@
           <a:p>
             <a:fld id="{87DE6118-2437-4B30-8E3C-4D2BE6020583}" type="datetimeFigureOut">
               <a:rPr lang="en-US" dirty="0"/>
-              <a:t>6/8/2022</a:t>
+              <a:t>6/9/2022</a:t>
             </a:fld>
             <a:endParaRPr lang="en-US" dirty="0"/>
           </a:p>
@@ -2228,7 +2228,7 @@
           <a:p>
             <a:fld id="{87DE6118-2437-4B30-8E3C-4D2BE6020583}" type="datetimeFigureOut">
               <a:rPr lang="en-US" dirty="0"/>
-              <a:t>6/8/2022</a:t>
+              <a:t>6/9/2022</a:t>
             </a:fld>
             <a:endParaRPr lang="en-US" dirty="0"/>
           </a:p>
@@ -2318,7 +2318,7 @@
           <a:p>
             <a:fld id="{87DE6118-2437-4B30-8E3C-4D2BE6020583}" type="datetimeFigureOut">
               <a:rPr lang="en-US" dirty="0"/>
-              <a:t>6/8/2022</a:t>
+              <a:t>6/9/2022</a:t>
             </a:fld>
             <a:endParaRPr lang="en-US" dirty="0"/>
           </a:p>
@@ -2660,7 +2660,7 @@
             <a:fld id="{87DE6118-2437-4B30-8E3C-4D2BE6020583}" type="datetimeFigureOut">
               <a:rPr lang="en-US" dirty="0"/>
               <a:pPr/>
-              <a:t>6/8/2022</a:t>
+              <a:t>6/9/2022</a:t>
             </a:fld>
             <a:endParaRPr lang="en-US" dirty="0"/>
           </a:p>
@@ -3045,7 +3045,7 @@
             <a:fld id="{87DE6118-2437-4B30-8E3C-4D2BE6020583}" type="datetimeFigureOut">
               <a:rPr lang="en-US" dirty="0"/>
               <a:pPr/>
-              <a:t>6/8/2022</a:t>
+              <a:t>6/9/2022</a:t>
             </a:fld>
             <a:endParaRPr lang="en-US" dirty="0"/>
           </a:p>
@@ -3320,7 +3320,7 @@
             <a:fld id="{87DE6118-2437-4B30-8E3C-4D2BE6020583}" type="datetimeFigureOut">
               <a:rPr lang="en-US" dirty="0"/>
               <a:pPr/>
-              <a:t>6/8/2022</a:t>
+              <a:t>6/9/2022</a:t>
             </a:fld>
             <a:endParaRPr lang="en-US" dirty="0"/>
           </a:p>
@@ -5266,7 +5266,86 @@
           <a:bodyPr/>
           <a:lstStyle/>
           <a:p>
-            <a:endParaRPr lang="es-ES" dirty="0"/>
+            <a:r>
+              <a:rPr lang="es-ES" b="1" dirty="0"/>
+              <a:t>Objetivo</a:t>
+            </a:r>
+            <a:r>
+              <a:rPr lang="es-ES" dirty="0"/>
+              <a:t>: valorar la benevolencia del modelo.</a:t>
+            </a:r>
+          </a:p>
+          <a:p>
+            <a:r>
+              <a:rPr lang="es-ES" dirty="0"/>
+              <a:t>Función de evaluación AUC.</a:t>
+            </a:r>
+          </a:p>
+        </p:txBody>
+      </p:sp>
+      <p:pic>
+        <p:nvPicPr>
+          <p:cNvPr id="5" name="Imagen 4">
+            <a:extLst>
+              <a:ext uri="{FF2B5EF4-FFF2-40B4-BE49-F238E27FC236}">
+                <a16:creationId xmlns:a16="http://schemas.microsoft.com/office/drawing/2014/main" id="{1FD8026A-A45E-65A4-1BAC-CF1A963D17A2}"/>
+              </a:ext>
+            </a:extLst>
+          </p:cNvPr>
+          <p:cNvPicPr>
+            <a:picLocks noChangeAspect="1"/>
+          </p:cNvPicPr>
+          <p:nvPr/>
+        </p:nvPicPr>
+        <p:blipFill>
+          <a:blip r:embed="rId2"/>
+          <a:stretch>
+            <a:fillRect/>
+          </a:stretch>
+        </p:blipFill>
+        <p:spPr>
+          <a:xfrm>
+            <a:off x="3796230" y="2333211"/>
+            <a:ext cx="4751940" cy="3970510"/>
+          </a:xfrm>
+          <a:prstGeom prst="rect">
+            <a:avLst/>
+          </a:prstGeom>
+        </p:spPr>
+      </p:pic>
+      <p:sp>
+        <p:nvSpPr>
+          <p:cNvPr id="6" name="CuadroTexto 5">
+            <a:extLst>
+              <a:ext uri="{FF2B5EF4-FFF2-40B4-BE49-F238E27FC236}">
+                <a16:creationId xmlns:a16="http://schemas.microsoft.com/office/drawing/2014/main" id="{F6463991-77CF-AA6E-F0E4-B8F1938F9997}"/>
+              </a:ext>
+            </a:extLst>
+          </p:cNvPr>
+          <p:cNvSpPr txBox="1"/>
+          <p:nvPr/>
+        </p:nvSpPr>
+        <p:spPr>
+          <a:xfrm>
+            <a:off x="3796230" y="6304031"/>
+            <a:ext cx="4751940" cy="276999"/>
+          </a:xfrm>
+          <a:prstGeom prst="rect">
+            <a:avLst/>
+          </a:prstGeom>
+          <a:noFill/>
+        </p:spPr>
+        <p:txBody>
+          <a:bodyPr wrap="square" rtlCol="0">
+            <a:spAutoFit/>
+          </a:bodyPr>
+          <a:lstStyle/>
+          <a:p>
+            <a:pPr algn="ctr"/>
+            <a:r>
+              <a:rPr lang="es-ES" sz="1200" i="1" dirty="0"/>
+              <a:t>Área bajo la curva ROC de cada modelo</a:t>
+            </a:r>
           </a:p>
         </p:txBody>
       </p:sp>
@@ -5359,10 +5438,79 @@
           <a:bodyPr/>
           <a:lstStyle/>
           <a:p>
-            <a:endParaRPr lang="es-ES" dirty="0"/>
-          </a:p>
-        </p:txBody>
-      </p:sp>
+            <a:r>
+              <a:rPr lang="es-ES" dirty="0"/>
+              <a:t>Métrica exactitud.</a:t>
+            </a:r>
+          </a:p>
+        </p:txBody>
+      </p:sp>
+      <p:sp>
+        <p:nvSpPr>
+          <p:cNvPr id="6" name="CuadroTexto 5">
+            <a:extLst>
+              <a:ext uri="{FF2B5EF4-FFF2-40B4-BE49-F238E27FC236}">
+                <a16:creationId xmlns:a16="http://schemas.microsoft.com/office/drawing/2014/main" id="{BB5034B8-B9CB-30D8-3FE5-9C7093EE01F2}"/>
+              </a:ext>
+            </a:extLst>
+          </p:cNvPr>
+          <p:cNvSpPr txBox="1"/>
+          <p:nvPr/>
+        </p:nvSpPr>
+        <p:spPr>
+          <a:xfrm>
+            <a:off x="3609561" y="6079034"/>
+            <a:ext cx="4751940" cy="276999"/>
+          </a:xfrm>
+          <a:prstGeom prst="rect">
+            <a:avLst/>
+          </a:prstGeom>
+          <a:noFill/>
+        </p:spPr>
+        <p:txBody>
+          <a:bodyPr wrap="square" rtlCol="0">
+            <a:spAutoFit/>
+          </a:bodyPr>
+          <a:lstStyle/>
+          <a:p>
+            <a:pPr algn="ctr"/>
+            <a:r>
+              <a:rPr lang="es-ES" sz="1200" i="1" dirty="0"/>
+              <a:t>Exactitud de cada modelo</a:t>
+            </a:r>
+          </a:p>
+        </p:txBody>
+      </p:sp>
+      <p:pic>
+        <p:nvPicPr>
+          <p:cNvPr id="8" name="Imagen 7">
+            <a:extLst>
+              <a:ext uri="{FF2B5EF4-FFF2-40B4-BE49-F238E27FC236}">
+                <a16:creationId xmlns:a16="http://schemas.microsoft.com/office/drawing/2014/main" id="{F31DD8BC-3F33-CCCE-EFF2-98F59BF205A6}"/>
+              </a:ext>
+            </a:extLst>
+          </p:cNvPr>
+          <p:cNvPicPr>
+            <a:picLocks noChangeAspect="1"/>
+          </p:cNvPicPr>
+          <p:nvPr/>
+        </p:nvPicPr>
+        <p:blipFill>
+          <a:blip r:embed="rId2"/>
+          <a:stretch>
+            <a:fillRect/>
+          </a:stretch>
+        </p:blipFill>
+        <p:spPr>
+          <a:xfrm>
+            <a:off x="3609561" y="1946219"/>
+            <a:ext cx="4751940" cy="4132815"/>
+          </a:xfrm>
+          <a:prstGeom prst="rect">
+            <a:avLst/>
+          </a:prstGeom>
+        </p:spPr>
+      </p:pic>
     </p:spTree>
     <p:extLst>
       <p:ext uri="{BB962C8B-B14F-4D97-AF65-F5344CB8AC3E}">
@@ -5452,14 +5600,83 @@
           <a:bodyPr/>
           <a:lstStyle/>
           <a:p>
-            <a:endParaRPr lang="es-ES" dirty="0"/>
-          </a:p>
-        </p:txBody>
-      </p:sp>
+            <a:r>
+              <a:rPr lang="es-ES" dirty="0"/>
+              <a:t>Métrica sensibilidad.</a:t>
+            </a:r>
+          </a:p>
+        </p:txBody>
+      </p:sp>
+      <p:sp>
+        <p:nvSpPr>
+          <p:cNvPr id="6" name="CuadroTexto 5">
+            <a:extLst>
+              <a:ext uri="{FF2B5EF4-FFF2-40B4-BE49-F238E27FC236}">
+                <a16:creationId xmlns:a16="http://schemas.microsoft.com/office/drawing/2014/main" id="{BB5034B8-B9CB-30D8-3FE5-9C7093EE01F2}"/>
+              </a:ext>
+            </a:extLst>
+          </p:cNvPr>
+          <p:cNvSpPr txBox="1"/>
+          <p:nvPr/>
+        </p:nvSpPr>
+        <p:spPr>
+          <a:xfrm>
+            <a:off x="3609561" y="6079034"/>
+            <a:ext cx="4751940" cy="276999"/>
+          </a:xfrm>
+          <a:prstGeom prst="rect">
+            <a:avLst/>
+          </a:prstGeom>
+          <a:noFill/>
+        </p:spPr>
+        <p:txBody>
+          <a:bodyPr wrap="square" rtlCol="0">
+            <a:spAutoFit/>
+          </a:bodyPr>
+          <a:lstStyle/>
+          <a:p>
+            <a:pPr algn="ctr"/>
+            <a:r>
+              <a:rPr lang="es-ES" sz="1200" i="1" dirty="0"/>
+              <a:t>Sensibilidad de cada modelo</a:t>
+            </a:r>
+          </a:p>
+        </p:txBody>
+      </p:sp>
+      <p:pic>
+        <p:nvPicPr>
+          <p:cNvPr id="5" name="Imagen 4">
+            <a:extLst>
+              <a:ext uri="{FF2B5EF4-FFF2-40B4-BE49-F238E27FC236}">
+                <a16:creationId xmlns:a16="http://schemas.microsoft.com/office/drawing/2014/main" id="{77BD84A9-0ED7-8E56-E7F2-AB0245654D47}"/>
+              </a:ext>
+            </a:extLst>
+          </p:cNvPr>
+          <p:cNvPicPr>
+            <a:picLocks noChangeAspect="1"/>
+          </p:cNvPicPr>
+          <p:nvPr/>
+        </p:nvPicPr>
+        <p:blipFill>
+          <a:blip r:embed="rId2"/>
+          <a:stretch>
+            <a:fillRect/>
+          </a:stretch>
+        </p:blipFill>
+        <p:spPr>
+          <a:xfrm>
+            <a:off x="3609560" y="1963973"/>
+            <a:ext cx="4751939" cy="4115062"/>
+          </a:xfrm>
+          <a:prstGeom prst="rect">
+            <a:avLst/>
+          </a:prstGeom>
+        </p:spPr>
+      </p:pic>
     </p:spTree>
     <p:extLst>
       <p:ext uri="{BB962C8B-B14F-4D97-AF65-F5344CB8AC3E}">
-        <p14:creationId xmlns:p14="http://schemas.microsoft.com/office/powerpoint/2010/main" val="885387034"/>
+        <p14:creationId xmlns:p14="http://schemas.microsoft.com/office/powerpoint/2010/main" val="2696118483"/>
       </p:ext>
     </p:extLst>
   </p:cSld>
@@ -5773,31 +5990,6 @@
       </p:grpSpPr>
       <p:sp>
         <p:nvSpPr>
-          <p:cNvPr id="2" name="Título 1">
-            <a:extLst>
-              <a:ext uri="{FF2B5EF4-FFF2-40B4-BE49-F238E27FC236}">
-                <a16:creationId xmlns:a16="http://schemas.microsoft.com/office/drawing/2014/main" id="{B213FB0F-F3C9-859E-D852-5474B9CCDBEB}"/>
-              </a:ext>
-            </a:extLst>
-          </p:cNvPr>
-          <p:cNvSpPr>
-            <a:spLocks noGrp="1"/>
-          </p:cNvSpPr>
-          <p:nvPr>
-            <p:ph type="title"/>
-          </p:nvPr>
-        </p:nvSpPr>
-        <p:spPr/>
-        <p:txBody>
-          <a:bodyPr/>
-          <a:lstStyle/>
-          <a:p>
-            <a:endParaRPr lang="es-ES"/>
-          </a:p>
-        </p:txBody>
-      </p:sp>
-      <p:sp>
-        <p:nvSpPr>
           <p:cNvPr id="3" name="Marcador de contenido 2">
             <a:extLst>
               <a:ext uri="{FF2B5EF4-FFF2-40B4-BE49-F238E27FC236}">
@@ -5812,12 +6004,107 @@
             <p:ph idx="1"/>
           </p:nvPr>
         </p:nvSpPr>
-        <p:spPr/>
+        <p:spPr>
+          <a:xfrm>
+            <a:off x="1371600" y="556591"/>
+            <a:ext cx="9601200" cy="6217920"/>
+          </a:xfrm>
+        </p:spPr>
         <p:txBody>
           <a:bodyPr/>
           <a:lstStyle/>
           <a:p>
-            <a:endParaRPr lang="es-ES"/>
+            <a:r>
+              <a:rPr lang="es-ES" dirty="0"/>
+              <a:t>Buen resultado en cuanto a cumplimiento de objetivos.</a:t>
+            </a:r>
+          </a:p>
+          <a:p>
+            <a:r>
+              <a:rPr lang="es-ES" dirty="0"/>
+              <a:t>Respecta a la neumonía:</a:t>
+            </a:r>
+          </a:p>
+          <a:p>
+            <a:pPr lvl="1"/>
+            <a:r>
+              <a:rPr lang="es-ES" dirty="0"/>
+              <a:t>Alta mortalidad.</a:t>
+            </a:r>
+          </a:p>
+          <a:p>
+            <a:pPr lvl="1"/>
+            <a:r>
+              <a:rPr lang="es-ES" dirty="0"/>
+              <a:t>Opacidad pulmonar != neumonía.</a:t>
+            </a:r>
+          </a:p>
+          <a:p>
+            <a:r>
+              <a:rPr lang="es-ES" dirty="0"/>
+              <a:t>Respecto al mejor modelo:</a:t>
+            </a:r>
+          </a:p>
+          <a:p>
+            <a:pPr lvl="1"/>
+            <a:r>
+              <a:rPr lang="es-ES" dirty="0"/>
+              <a:t>EfficientNetB5 es el ganador.</a:t>
+            </a:r>
+          </a:p>
+          <a:p>
+            <a:pPr lvl="1"/>
+            <a:r>
+              <a:rPr lang="es-ES" dirty="0"/>
+              <a:t>Muy bueno identificando casos negativos, dificultad en los casos positivos.</a:t>
+            </a:r>
+          </a:p>
+          <a:p>
+            <a:r>
+              <a:rPr lang="es-ES" dirty="0"/>
+              <a:t>Otras soluciones de </a:t>
+            </a:r>
+            <a:r>
+              <a:rPr lang="es-ES" i="1" dirty="0"/>
+              <a:t>Kaggle</a:t>
+            </a:r>
+            <a:r>
+              <a:rPr lang="es-ES" dirty="0"/>
+              <a:t> presentan resultados similares.</a:t>
+            </a:r>
+          </a:p>
+          <a:p>
+            <a:r>
+              <a:rPr lang="es-ES" dirty="0"/>
+              <a:t>Los resultados pueden ser complementarios a otras pruebas: biopsia, análisis de sangre…</a:t>
+            </a:r>
+          </a:p>
+          <a:p>
+            <a:r>
+              <a:rPr lang="es-ES" dirty="0"/>
+              <a:t>Líneas de trabajo futuras:</a:t>
+            </a:r>
+          </a:p>
+          <a:p>
+            <a:pPr lvl="1"/>
+            <a:r>
+              <a:rPr lang="es-ES" dirty="0"/>
+              <a:t>Usar otras redes pre-entrenadas.</a:t>
+            </a:r>
+          </a:p>
+          <a:p>
+            <a:pPr lvl="1"/>
+            <a:r>
+              <a:rPr lang="es-ES" dirty="0"/>
+              <a:t>Crear una aplicación web.</a:t>
+            </a:r>
+          </a:p>
+          <a:p>
+            <a:pPr lvl="1"/>
+            <a:r>
+              <a:rPr lang="es-ES" dirty="0"/>
+              <a:t>Dar importancia a la investigación y el desarrollo.</a:t>
+            </a:r>
           </a:p>
         </p:txBody>
       </p:sp>

--- a/doc/presentacoin1.pptx
+++ b/doc/presentacoin1.pptx
@@ -3898,7 +3898,7 @@
           <a:p>
             <a:r>
               <a:rPr lang="es-ES" dirty="0"/>
-              <a:t>Máster Universitario de Ciencia de Datos -Universitat Oberta de Catalunya</a:t>
+              <a:t>Máster Universitario de Ciencia de Datos - Universitat Oberta de Catalunya</a:t>
             </a:r>
           </a:p>
           <a:p>
@@ -4034,12 +4034,6 @@
           <a:p>
             <a:r>
               <a:rPr lang="es-ES" dirty="0"/>
-              <a:t>Una metodología no garantiza el éxito pero sí disminuye las posibilidades de fracaso.</a:t>
-            </a:r>
-          </a:p>
-          <a:p>
-            <a:r>
-              <a:rPr lang="es-ES" dirty="0"/>
               <a:t>La etapas de esta metodología son las siguientes:</a:t>
             </a:r>
           </a:p>
@@ -4070,7 +4064,7 @@
         </p:blipFill>
         <p:spPr>
           <a:xfrm>
-            <a:off x="4648861" y="3429000"/>
+            <a:off x="4648861" y="2721337"/>
             <a:ext cx="2894277" cy="2901512"/>
           </a:xfrm>
           <a:prstGeom prst="rect">
@@ -4092,7 +4086,7 @@
         </p:nvSpPr>
         <p:spPr>
           <a:xfrm>
-            <a:off x="4911918" y="6330512"/>
+            <a:off x="4911918" y="5622849"/>
             <a:ext cx="2520563" cy="276999"/>
           </a:xfrm>
           <a:prstGeom prst="rect">
@@ -4737,20 +4731,9 @@
             <a:endParaRPr lang="es-ES" dirty="0"/>
           </a:p>
           <a:p>
-            <a:r>
-              <a:rPr lang="es-ES" dirty="0"/>
-              <a:t>Generación de los </a:t>
-            </a:r>
-            <a:r>
-              <a:rPr lang="es-ES" i="1" dirty="0"/>
-              <a:t>dataset </a:t>
-            </a:r>
-            <a:r>
-              <a:rPr lang="es-ES" dirty="0"/>
-              <a:t>usados para el entrenamiento de la red.</a:t>
-            </a:r>
-          </a:p>
-          <a:p>
+            <a:pPr marL="0" indent="0">
+              <a:buNone/>
+            </a:pPr>
             <a:endParaRPr lang="es-ES" dirty="0"/>
           </a:p>
           <a:p>
@@ -6076,12 +6059,6 @@
           <a:p>
             <a:r>
               <a:rPr lang="es-ES" dirty="0"/>
-              <a:t>Los resultados pueden ser complementarios a otras pruebas: biopsia, análisis de sangre…</a:t>
-            </a:r>
-          </a:p>
-          <a:p>
-            <a:r>
-              <a:rPr lang="es-ES" dirty="0"/>
               <a:t>Líneas de trabajo futuras:</a:t>
             </a:r>
           </a:p>
@@ -6584,48 +6561,6 @@
             </a:r>
           </a:p>
           <a:p>
-            <a:r>
-              <a:rPr lang="es-ES" dirty="0"/>
-              <a:t>En la neumonía lobular podemos diferenciar </a:t>
-            </a:r>
-            <a:r>
-              <a:rPr lang="es-ES" b="1" dirty="0"/>
-              <a:t>cuatro fases</a:t>
-            </a:r>
-            <a:r>
-              <a:rPr lang="es-ES" dirty="0"/>
-              <a:t>:</a:t>
-            </a:r>
-          </a:p>
-          <a:p>
-            <a:pPr lvl="1"/>
-            <a:r>
-              <a:rPr lang="es-ES" dirty="0"/>
-              <a:t>Fase de congestión: síntomas en las primeras horas, y pocos glóbulos rojos.</a:t>
-            </a:r>
-          </a:p>
-          <a:p>
-            <a:pPr lvl="1"/>
-            <a:r>
-              <a:rPr lang="es-ES" dirty="0"/>
-              <a:t>Fase de hepatización roja: 2-4 días, aumento de glóbulos rojos.</a:t>
-            </a:r>
-          </a:p>
-          <a:p>
-            <a:pPr lvl="1"/>
-            <a:r>
-              <a:rPr lang="es-ES" dirty="0"/>
-              <a:t>Fase de hepatización gris: 2-4 días, descomposición de los glóbulos rojos.</a:t>
-            </a:r>
-          </a:p>
-          <a:p>
-            <a:pPr lvl="1"/>
-            <a:r>
-              <a:rPr lang="es-ES" dirty="0"/>
-              <a:t>Fase de resolución: 4-8 días, predominan los glóbulos blancos.</a:t>
-            </a:r>
-          </a:p>
-          <a:p>
             <a:endParaRPr lang="es-ES" dirty="0"/>
           </a:p>
         </p:txBody>
@@ -6969,7 +6904,7 @@
           <a:p>
             <a:r>
               <a:rPr lang="es-ES" dirty="0"/>
-              <a:t>Método utilizado</a:t>
+              <a:t>Método general utilizado</a:t>
             </a:r>
           </a:p>
         </p:txBody>
@@ -7053,138 +6988,6 @@
               <a:buNone/>
             </a:pPr>
             <a:endParaRPr lang="es-ES" dirty="0"/>
-          </a:p>
-        </p:txBody>
-      </p:sp>
-      <p:pic>
-        <p:nvPicPr>
-          <p:cNvPr id="9" name="Imagen 8">
-            <a:extLst>
-              <a:ext uri="{FF2B5EF4-FFF2-40B4-BE49-F238E27FC236}">
-                <a16:creationId xmlns:a16="http://schemas.microsoft.com/office/drawing/2014/main" id="{2F503F2E-E3EB-7764-504F-2AA69C976EE1}"/>
-              </a:ext>
-            </a:extLst>
-          </p:cNvPr>
-          <p:cNvPicPr>
-            <a:picLocks noChangeAspect="1"/>
-          </p:cNvPicPr>
-          <p:nvPr/>
-        </p:nvPicPr>
-        <p:blipFill>
-          <a:blip r:embed="rId2"/>
-          <a:stretch>
-            <a:fillRect/>
-          </a:stretch>
-        </p:blipFill>
-        <p:spPr>
-          <a:xfrm>
-            <a:off x="1929740" y="3430224"/>
-            <a:ext cx="3930372" cy="2160170"/>
-          </a:xfrm>
-          <a:prstGeom prst="rect">
-            <a:avLst/>
-          </a:prstGeom>
-        </p:spPr>
-      </p:pic>
-      <p:pic>
-        <p:nvPicPr>
-          <p:cNvPr id="11" name="Imagen 10">
-            <a:extLst>
-              <a:ext uri="{FF2B5EF4-FFF2-40B4-BE49-F238E27FC236}">
-                <a16:creationId xmlns:a16="http://schemas.microsoft.com/office/drawing/2014/main" id="{88E862B2-E4BB-30F0-21C6-D1765A246968}"/>
-              </a:ext>
-            </a:extLst>
-          </p:cNvPr>
-          <p:cNvPicPr>
-            <a:picLocks noChangeAspect="1"/>
-          </p:cNvPicPr>
-          <p:nvPr/>
-        </p:nvPicPr>
-        <p:blipFill>
-          <a:blip r:embed="rId3"/>
-          <a:stretch>
-            <a:fillRect/>
-          </a:stretch>
-        </p:blipFill>
-        <p:spPr>
-          <a:xfrm>
-            <a:off x="6418252" y="3432673"/>
-            <a:ext cx="3930372" cy="2157721"/>
-          </a:xfrm>
-          <a:prstGeom prst="rect">
-            <a:avLst/>
-          </a:prstGeom>
-        </p:spPr>
-      </p:pic>
-      <p:sp>
-        <p:nvSpPr>
-          <p:cNvPr id="12" name="CuadroTexto 11">
-            <a:extLst>
-              <a:ext uri="{FF2B5EF4-FFF2-40B4-BE49-F238E27FC236}">
-                <a16:creationId xmlns:a16="http://schemas.microsoft.com/office/drawing/2014/main" id="{4E2B03AE-3EC2-C77A-4A73-6F598D2412CE}"/>
-              </a:ext>
-            </a:extLst>
-          </p:cNvPr>
-          <p:cNvSpPr txBox="1"/>
-          <p:nvPr/>
-        </p:nvSpPr>
-        <p:spPr>
-          <a:xfrm>
-            <a:off x="1929739" y="5682734"/>
-            <a:ext cx="3954225" cy="276999"/>
-          </a:xfrm>
-          <a:prstGeom prst="rect">
-            <a:avLst/>
-          </a:prstGeom>
-          <a:noFill/>
-        </p:spPr>
-        <p:txBody>
-          <a:bodyPr wrap="square" rtlCol="0">
-            <a:spAutoFit/>
-          </a:bodyPr>
-          <a:lstStyle/>
-          <a:p>
-            <a:pPr algn="ctr"/>
-            <a:r>
-              <a:rPr lang="es-ES" sz="1200" i="1" dirty="0"/>
-              <a:t>Neurona biológica</a:t>
-            </a:r>
-          </a:p>
-        </p:txBody>
-      </p:sp>
-      <p:sp>
-        <p:nvSpPr>
-          <p:cNvPr id="13" name="CuadroTexto 12">
-            <a:extLst>
-              <a:ext uri="{FF2B5EF4-FFF2-40B4-BE49-F238E27FC236}">
-                <a16:creationId xmlns:a16="http://schemas.microsoft.com/office/drawing/2014/main" id="{7FE3ACB7-94B6-D519-1754-DF2559691A2E}"/>
-              </a:ext>
-            </a:extLst>
-          </p:cNvPr>
-          <p:cNvSpPr txBox="1"/>
-          <p:nvPr/>
-        </p:nvSpPr>
-        <p:spPr>
-          <a:xfrm>
-            <a:off x="6406325" y="5668370"/>
-            <a:ext cx="3954225" cy="277000"/>
-          </a:xfrm>
-          <a:prstGeom prst="rect">
-            <a:avLst/>
-          </a:prstGeom>
-          <a:noFill/>
-        </p:spPr>
-        <p:txBody>
-          <a:bodyPr wrap="square" rtlCol="0">
-            <a:spAutoFit/>
-          </a:bodyPr>
-          <a:lstStyle/>
-          <a:p>
-            <a:pPr algn="ctr"/>
-            <a:r>
-              <a:rPr lang="es-ES" sz="1200" i="1" dirty="0"/>
-              <a:t>Neurona artificial</a:t>
-            </a:r>
           </a:p>
         </p:txBody>
       </p:sp>
@@ -7246,7 +7049,7 @@
           <a:p>
             <a:r>
               <a:rPr lang="es-ES" dirty="0"/>
-              <a:t>Método utilizado</a:t>
+              <a:t>Método general utilizado</a:t>
             </a:r>
           </a:p>
         </p:txBody>
@@ -7335,26 +7138,6 @@
           </a:p>
           <a:p>
             <a:endParaRPr lang="es-ES" dirty="0"/>
-          </a:p>
-          <a:p>
-            <a:r>
-              <a:rPr lang="es-ES" dirty="0"/>
-              <a:t>Implementar y entrenar un red desde cero = elevado coste computacional y temporal.</a:t>
-            </a:r>
-          </a:p>
-          <a:p>
-            <a:r>
-              <a:rPr lang="es-ES" i="1" dirty="0"/>
-              <a:t>Transfer learning</a:t>
-            </a:r>
-            <a:r>
-              <a:rPr lang="es-ES" dirty="0"/>
-              <a:t> a partir de </a:t>
-            </a:r>
-            <a:r>
-              <a:rPr lang="es-ES" i="1" dirty="0"/>
-              <a:t>EfficientNet.</a:t>
-            </a:r>
           </a:p>
         </p:txBody>
       </p:sp>
